--- a/Questions/Question 4/README.pptx
+++ b/Questions/Question 4/README.pptx
@@ -11,9 +11,6 @@
     <p:sldId id="259" r:id="rId5"/>
     <p:sldId id="260" r:id="rId6"/>
     <p:sldId id="261" r:id="rId7"/>
-    <p:sldId id="262" r:id="rId8"/>
-    <p:sldId id="263" r:id="rId9"/>
-    <p:sldId id="264" r:id="rId10"/>
   </p:sldIdLst>
   <p:sldSz cx="9144000" cy="5143500" type="screen16x9"/>
   <p:notesSz cx="6858000" cy="9144000"/>
@@ -3123,7 +3120,7 @@
             </a:pPr>
             <a:r>
               <a:rPr/>
-              <a:t>Question 4 : Portfolio Commentary</a:t>
+              <a:t>Question 4: Portfolio Commentary</a:t>
             </a:r>
           </a:p>
         </p:txBody>
@@ -3180,7 +3177,7 @@
             </a:pPr>
             <a:r>
               <a:rPr/>
-              <a:t>2024-11-26</a:t>
+              <a:t>2024-11-27</a:t>
             </a:r>
           </a:p>
         </p:txBody>
@@ -3217,26 +3214,51 @@
             <p:ph type="title"/>
           </p:nvPr>
         </p:nvSpPr>
-        <p:spPr>
+        <p:spPr/>
+        <p:txBody>
+          <a:bodyPr/>
+          <a:lstStyle/>
+          <a:p>
+            <a:pPr lvl="0" indent="0" marL="0">
+              <a:buNone/>
+            </a:pPr>
+            <a:r>
+              <a:rPr/>
+              <a:t>Relative Risk</a:t>
+            </a:r>
+          </a:p>
+        </p:txBody>
+      </p:sp>
+      <p:pic>
+        <p:nvPicPr>
+          <p:cNvPr descr="README_files/figure-pptx/plot-TE-and_DE-1.png" id="0" name="Picture 1"/>
+          <p:cNvPicPr>
+            <a:picLocks noGrp="1" noChangeAspect="1"/>
+          </p:cNvPicPr>
+          <p:nvPr/>
+        </p:nvPicPr>
+        <p:blipFill>
+          <a:blip r:embed="rId2"/>
+          <a:stretch>
+            <a:fillRect/>
+          </a:stretch>
+        </p:blipFill>
+        <p:spPr bwMode="auto">
           <a:xfrm>
-            <a:off x="722313" y="3305176"/>
-            <a:ext cx="7772400" cy="1021556"/>
+            <a:off x="2311400" y="1193800"/>
+            <a:ext cx="4521200" cy="3390900"/>
           </a:xfrm>
+          <a:prstGeom prst="rect">
+            <a:avLst/>
+          </a:prstGeom>
+          <a:noFill/>
+          <a:ln w="9525">
+            <a:noFill/>
+            <a:headEnd/>
+            <a:tailEnd/>
+          </a:ln>
         </p:spPr>
-        <p:txBody>
-          <a:bodyPr/>
-          <a:lstStyle/>
-          <a:p>
-            <a:pPr lvl="0" indent="0" marL="0">
-              <a:buNone/>
-            </a:pPr>
-            <a:r>
-              <a:rPr/>
-              <a:t>Question 4: Portfolio Commentary</a:t>
-            </a:r>
-          </a:p>
-        </p:txBody>
-      </p:sp>
+      </p:pic>
     </p:spTree>
   </p:cSld>
 </p:sld>
@@ -3279,11 +3301,41 @@
             </a:pPr>
             <a:r>
               <a:rPr/>
-              <a:t>SnakeOil Capital</a:t>
-            </a:r>
-          </a:p>
-        </p:txBody>
-      </p:sp>
+              <a:t>Relative Performance</a:t>
+            </a:r>
+          </a:p>
+        </p:txBody>
+      </p:sp>
+      <p:pic>
+        <p:nvPicPr>
+          <p:cNvPr descr="README_files/figure-pptx/cum-returns-Port-and-BM-1.png" id="0" name="Picture 1"/>
+          <p:cNvPicPr>
+            <a:picLocks noGrp="1" noChangeAspect="1"/>
+          </p:cNvPicPr>
+          <p:nvPr/>
+        </p:nvPicPr>
+        <p:blipFill>
+          <a:blip r:embed="rId2"/>
+          <a:stretch>
+            <a:fillRect/>
+          </a:stretch>
+        </p:blipFill>
+        <p:spPr bwMode="auto">
+          <a:xfrm>
+            <a:off x="2311400" y="1193800"/>
+            <a:ext cx="4521200" cy="3390900"/>
+          </a:xfrm>
+          <a:prstGeom prst="rect">
+            <a:avLst/>
+          </a:prstGeom>
+          <a:noFill/>
+          <a:ln w="9525">
+            <a:noFill/>
+            <a:headEnd/>
+            <a:tailEnd/>
+          </a:ln>
+        </p:spPr>
+      </p:pic>
     </p:spTree>
   </p:cSld>
 </p:sld>
@@ -3326,14 +3378,14 @@
             </a:pPr>
             <a:r>
               <a:rPr/>
-              <a:t>Relative Risk Analysis</a:t>
+              <a:t>Fund Positioning</a:t>
             </a:r>
           </a:p>
         </p:txBody>
       </p:sp>
       <p:pic>
         <p:nvPicPr>
-          <p:cNvPr descr="README_files/figure-pptx/unnamed-chunk-1-1.png" id="0" name="Picture 1"/>
+          <p:cNvPr descr="README_files/figure-pptx/sector-treemap-current-1.png" id="0" name="Picture 1"/>
           <p:cNvPicPr>
             <a:picLocks noGrp="1" noChangeAspect="1"/>
           </p:cNvPicPr>
@@ -3347,8 +3399,8 @@
         </p:blipFill>
         <p:spPr bwMode="auto">
           <a:xfrm>
-            <a:off x="2451100" y="1193800"/>
-            <a:ext cx="4241800" cy="3390900"/>
+            <a:off x="2311400" y="1193800"/>
+            <a:ext cx="4521200" cy="3390900"/>
           </a:xfrm>
           <a:prstGeom prst="rect">
             <a:avLst/>
@@ -3385,12 +3437,12 @@
       </p:grpSpPr>
       <p:sp>
         <p:nvSpPr>
-          <p:cNvPr id="3" name="Content Placeholder 2"/>
-          <p:cNvSpPr>
-            <a:spLocks noGrp="1"/>
-          </p:cNvSpPr>
-          <p:nvPr>
-            <p:ph idx="1"/>
+          <p:cNvPr id="4" name="Text Placeholder 3"/>
+          <p:cNvSpPr>
+            <a:spLocks noGrp="1"/>
+          </p:cNvSpPr>
+          <p:nvPr>
+            <p:ph idx="2" sz="half" type="body"/>
           </p:nvPr>
         </p:nvSpPr>
         <p:spPr/>
@@ -3403,20 +3455,41 @@
             </a:pPr>
             <a:r>
               <a:rPr/>
-              <a:t>Graph/Table: Rolling Tracking Error and Downside Risk</a:t>
-            </a:r>
-          </a:p>
-          <a:p>
-            <a:pPr lvl="0" indent="0" marL="0">
-              <a:buNone/>
-            </a:pPr>
-            <a:r>
-              <a:rPr/>
-              <a:t>Purpose: Compare the fund’s risk metrics to the benchmark. Metrics to Show: Rolling tracking error (standard deviation of active returns over time). Rolling downside risk (semi-standard deviation or conditional value-at-risk). Visualization: A dual-line chart where one axis shows tracking error and the other shows downside risk over time. This will illustrate the fund’s consistency and risk compared to the benchmark.</a:t>
-            </a:r>
-          </a:p>
-        </p:txBody>
-      </p:sp>
+              <a:t>Resources holdings spike at the begining of 2020</a:t>
+            </a:r>
+          </a:p>
+        </p:txBody>
+      </p:sp>
+      <p:pic>
+        <p:nvPicPr>
+          <p:cNvPr descr="README_files/figure-pptx/sector-composition-over-time-1.png" id="0" name="Picture 1"/>
+          <p:cNvPicPr>
+            <a:picLocks noGrp="1" noChangeAspect="1"/>
+          </p:cNvPicPr>
+          <p:nvPr/>
+        </p:nvPicPr>
+        <p:blipFill>
+          <a:blip r:embed="rId2"/>
+          <a:stretch>
+            <a:fillRect/>
+          </a:stretch>
+        </p:blipFill>
+        <p:spPr bwMode="auto">
+          <a:xfrm>
+            <a:off x="3568700" y="482600"/>
+            <a:ext cx="5105400" cy="3835400"/>
+          </a:xfrm>
+          <a:prstGeom prst="rect">
+            <a:avLst/>
+          </a:prstGeom>
+          <a:noFill/>
+          <a:ln w="9525">
+            <a:noFill/>
+            <a:headEnd/>
+            <a:tailEnd/>
+          </a:ln>
+        </p:spPr>
+      </p:pic>
     </p:spTree>
   </p:cSld>
 </p:sld>
@@ -3459,14 +3532,14 @@
             </a:pPr>
             <a:r>
               <a:rPr/>
-              <a:t>##Relative Performance Graph: Cumulative Returns of Fund vs. Benchmark</a:t>
+              <a:t>We see that at the beginning of 2020 the Portfolio was dominated by Glencore PLC</a:t>
             </a:r>
           </a:p>
         </p:txBody>
       </p:sp>
       <p:pic>
         <p:nvPicPr>
-          <p:cNvPr descr="README_files/figure-pptx/unnamed-chunk-2-1.png" id="0" name="Picture 1"/>
+          <p:cNvPr descr="README_files/figure-pptx/sector-treemap-ats-pike-1.png" id="0" name="Picture 1"/>
           <p:cNvPicPr>
             <a:picLocks noGrp="1" noChangeAspect="1"/>
           </p:cNvPicPr>
@@ -3480,8 +3553,8 @@
         </p:blipFill>
         <p:spPr bwMode="auto">
           <a:xfrm>
-            <a:off x="3568700" y="355600"/>
-            <a:ext cx="5105400" cy="4089400"/>
+            <a:off x="3568700" y="482600"/>
+            <a:ext cx="5105400" cy="3835400"/>
           </a:xfrm>
           <a:prstGeom prst="rect">
             <a:avLst/>
@@ -3494,225 +3567,6 @@
           </a:ln>
         </p:spPr>
       </p:pic>
-    </p:spTree>
-  </p:cSld>
-</p:sld>
-</file>
-
-<file path=ppt/slides/slide7.xml><?xml version="1.0" encoding="utf-8"?>
-<p:sld xmlns:a="http://schemas.openxmlformats.org/drawingml/2006/main" xmlns:r="http://schemas.openxmlformats.org/officeDocument/2006/relationships" xmlns:p="http://schemas.openxmlformats.org/presentationml/2006/main">
-  <p:cSld>
-    <p:spTree>
-      <p:nvGrpSpPr>
-        <p:cNvPr id="1" name=""/>
-        <p:cNvGrpSpPr/>
-        <p:nvPr/>
-      </p:nvGrpSpPr>
-      <p:grpSpPr>
-        <a:xfrm>
-          <a:off x="0" y="0"/>
-          <a:ext cx="0" cy="0"/>
-          <a:chOff x="0" y="0"/>
-          <a:chExt cx="0" cy="0"/>
-        </a:xfrm>
-      </p:grpSpPr>
-      <p:sp>
-        <p:nvSpPr>
-          <p:cNvPr id="4" name="Text Placeholder 3"/>
-          <p:cNvSpPr>
-            <a:spLocks noGrp="1"/>
-          </p:cNvSpPr>
-          <p:nvPr>
-            <p:ph idx="2" sz="half" type="body"/>
-          </p:nvPr>
-        </p:nvSpPr>
-        <p:spPr/>
-        <p:txBody>
-          <a:bodyPr/>
-          <a:lstStyle/>
-          <a:p>
-            <a:pPr lvl="0" indent="0" marL="0">
-              <a:buNone/>
-            </a:pPr>
-            <a:r>
-              <a:rPr/>
-              <a:t>##Fund Positioning</a:t>
-            </a:r>
-          </a:p>
-        </p:txBody>
-      </p:sp>
-      <p:pic>
-        <p:nvPicPr>
-          <p:cNvPr descr="README_files/figure-pptx/unnamed-chunk-3-1.png" id="0" name="Picture 1"/>
-          <p:cNvPicPr>
-            <a:picLocks noGrp="1" noChangeAspect="1"/>
-          </p:cNvPicPr>
-          <p:nvPr/>
-        </p:nvPicPr>
-        <p:blipFill>
-          <a:blip r:embed="rId2"/>
-          <a:stretch>
-            <a:fillRect/>
-          </a:stretch>
-        </p:blipFill>
-        <p:spPr bwMode="auto">
-          <a:xfrm>
-            <a:off x="3568700" y="355600"/>
-            <a:ext cx="5105400" cy="4089400"/>
-          </a:xfrm>
-          <a:prstGeom prst="rect">
-            <a:avLst/>
-          </a:prstGeom>
-          <a:noFill/>
-          <a:ln w="9525">
-            <a:noFill/>
-            <a:headEnd/>
-            <a:tailEnd/>
-          </a:ln>
-        </p:spPr>
-      </p:pic>
-    </p:spTree>
-  </p:cSld>
-</p:sld>
-</file>
-
-<file path=ppt/slides/slide8.xml><?xml version="1.0" encoding="utf-8"?>
-<p:sld xmlns:a="http://schemas.openxmlformats.org/drawingml/2006/main" xmlns:r="http://schemas.openxmlformats.org/officeDocument/2006/relationships" xmlns:p="http://schemas.openxmlformats.org/presentationml/2006/main">
-  <p:cSld>
-    <p:spTree>
-      <p:nvGrpSpPr>
-        <p:cNvPr id="1" name=""/>
-        <p:cNvGrpSpPr/>
-        <p:nvPr/>
-      </p:nvGrpSpPr>
-      <p:grpSpPr>
-        <a:xfrm>
-          <a:off x="0" y="0"/>
-          <a:ext cx="0" cy="0"/>
-          <a:chOff x="0" y="0"/>
-          <a:chExt cx="0" cy="0"/>
-        </a:xfrm>
-      </p:grpSpPr>
-      <p:sp>
-        <p:nvSpPr>
-          <p:cNvPr id="4" name="Text Placeholder 3"/>
-          <p:cNvSpPr>
-            <a:spLocks noGrp="1"/>
-          </p:cNvSpPr>
-          <p:nvPr>
-            <p:ph idx="2" sz="half" type="body"/>
-          </p:nvPr>
-        </p:nvSpPr>
-        <p:spPr/>
-        <p:txBody>
-          <a:bodyPr/>
-          <a:lstStyle/>
-          <a:p>
-            <a:pPr lvl="0" indent="0" marL="0">
-              <a:buNone/>
-            </a:pPr>
-            <a:r>
-              <a:rPr/>
-              <a:t> ***</a:t>
-            </a:r>
-          </a:p>
-        </p:txBody>
-      </p:sp>
-      <p:pic>
-        <p:nvPicPr>
-          <p:cNvPr descr="README_files/figure-pptx/unnamed-chunk-4-1.png" id="0" name="Picture 1"/>
-          <p:cNvPicPr>
-            <a:picLocks noGrp="1" noChangeAspect="1"/>
-          </p:cNvPicPr>
-          <p:nvPr/>
-        </p:nvPicPr>
-        <p:blipFill>
-          <a:blip r:embed="rId2"/>
-          <a:stretch>
-            <a:fillRect/>
-          </a:stretch>
-        </p:blipFill>
-        <p:spPr bwMode="auto">
-          <a:xfrm>
-            <a:off x="3568700" y="355600"/>
-            <a:ext cx="5105400" cy="4089400"/>
-          </a:xfrm>
-          <a:prstGeom prst="rect">
-            <a:avLst/>
-          </a:prstGeom>
-          <a:noFill/>
-          <a:ln w="9525">
-            <a:noFill/>
-            <a:headEnd/>
-            <a:tailEnd/>
-          </a:ln>
-        </p:spPr>
-      </p:pic>
-    </p:spTree>
-  </p:cSld>
-</p:sld>
-</file>
-
-<file path=ppt/slides/slide9.xml><?xml version="1.0" encoding="utf-8"?>
-<p:sld xmlns:a="http://schemas.openxmlformats.org/drawingml/2006/main" xmlns:r="http://schemas.openxmlformats.org/officeDocument/2006/relationships" xmlns:p="http://schemas.openxmlformats.org/presentationml/2006/main">
-  <p:cSld>
-    <p:spTree>
-      <p:nvGrpSpPr>
-        <p:cNvPr id="1" name=""/>
-        <p:cNvGrpSpPr/>
-        <p:nvPr/>
-      </p:nvGrpSpPr>
-      <p:grpSpPr>
-        <a:xfrm>
-          <a:off x="0" y="0"/>
-          <a:ext cx="0" cy="0"/>
-          <a:chOff x="0" y="0"/>
-          <a:chExt cx="0" cy="0"/>
-        </a:xfrm>
-      </p:grpSpPr>
-      <p:sp>
-        <p:nvSpPr>
-          <p:cNvPr id="3" name="Content Placeholder 2"/>
-          <p:cNvSpPr>
-            <a:spLocks noGrp="1"/>
-          </p:cNvSpPr>
-          <p:nvPr>
-            <p:ph idx="1"/>
-          </p:nvPr>
-        </p:nvSpPr>
-        <p:spPr/>
-        <p:txBody>
-          <a:bodyPr/>
-          <a:lstStyle/>
-          <a:p>
-            <a:pPr lvl="0" indent="0" marL="0">
-              <a:buNone/>
-            </a:pPr>
-            <a:r>
-              <a:rPr/>
-              <a:t>##Performance Attribution Graph/Table: Contribution to Active Return by Stock/Sector</a:t>
-            </a:r>
-          </a:p>
-          <a:p>
-            <a:pPr lvl="0" indent="0" marL="0">
-              <a:buNone/>
-            </a:pPr>
-            <a:r>
-              <a:rPr/>
-              <a:t>Purpose: Break down the relative performance into contributors. Metrics to Show: Attribution of active return (fund return - benchmark return) by stock and by sector. Highlight largest contributors and detractors (positive and negative). Visualization:</a:t>
-            </a:r>
-          </a:p>
-          <a:p>
-            <a:pPr lvl="0" indent="0" marL="0">
-              <a:buNone/>
-            </a:pPr>
-            <a:r>
-              <a:rPr/>
-              <a:t>Bar chart for sectors: Each bar represents a sector’s contribution to active return. Stacked bar chart or waterfall chart for stocks: Show top contributors and detractors.</a:t>
-            </a:r>
-          </a:p>
-        </p:txBody>
-      </p:sp>
     </p:spTree>
   </p:cSld>
 </p:sld>
